--- a/powerpoints/git-github.pptx
+++ b/powerpoints/git-github.pptx
@@ -5071,7 +5071,7 @@
           <p:nvPr>
             <p:extLst>
               <p:ext uri="{D42A27DB-BD31-4B8C-83A1-F6EECF244321}">
-                <p14:modId xmlns:p14="http://schemas.microsoft.com/office/powerpoint/2010/main" val="2545480069"/>
+                <p14:modId xmlns:p14="http://schemas.microsoft.com/office/powerpoint/2010/main" val="3379755922"/>
               </p:ext>
             </p:extLst>
           </p:nvPr>
@@ -5651,7 +5651,7 @@
                           <a:cs typeface="+mn-cs"/>
                           <a:sym typeface="Helvetica Light"/>
                         </a:rPr>
-                        <a:t>get commit -m &lt;"message"&gt;</a:t>
+                        <a:t>git commit -m &lt;"message"&gt;</a:t>
                       </a:r>
                     </a:p>
                   </a:txBody>
@@ -5754,7 +5754,7 @@
                           <a:cs typeface="+mn-cs"/>
                           <a:sym typeface="Helvetica Light"/>
                         </a:rPr>
-                        <a:t>get status</a:t>
+                        <a:t>git status</a:t>
                       </a:r>
                     </a:p>
                   </a:txBody>

--- a/powerpoints/git-github.pptx
+++ b/powerpoints/git-github.pptx
@@ -2124,7 +2124,7 @@
           </a:ln>
           <a:extLst>
             <a:ext uri="{C572A759-6A51-4108-AA02-DFA0A04FC94B}">
-              <ma14:wrappingTextBoxFlag xmlns="" xmlns:m="http://schemas.openxmlformats.org/officeDocument/2006/math" xmlns:a14="http://schemas.microsoft.com/office/drawing/2010/main" xmlns:ma14="http://schemas.microsoft.com/office/mac/drawingml/2011/main" val="1"/>
+              <ma14:wrappingTextBoxFlag xmlns:ma14="http://schemas.microsoft.com/office/mac/drawingml/2011/main" xmlns:a14="http://schemas.microsoft.com/office/drawing/2010/main" xmlns:m="http://schemas.openxmlformats.org/officeDocument/2006/math" xmlns="" val="1"/>
             </a:ext>
           </a:extLst>
         </p:spPr>
@@ -2163,7 +2163,7 @@
           </a:ln>
           <a:extLst>
             <a:ext uri="{C572A759-6A51-4108-AA02-DFA0A04FC94B}">
-              <ma14:wrappingTextBoxFlag xmlns="" xmlns:m="http://schemas.openxmlformats.org/officeDocument/2006/math" xmlns:a14="http://schemas.microsoft.com/office/drawing/2010/main" xmlns:ma14="http://schemas.microsoft.com/office/mac/drawingml/2011/main" val="1"/>
+              <ma14:wrappingTextBoxFlag xmlns:ma14="http://schemas.microsoft.com/office/mac/drawingml/2011/main" xmlns:a14="http://schemas.microsoft.com/office/drawing/2010/main" xmlns:m="http://schemas.openxmlformats.org/officeDocument/2006/math" xmlns="" val="1"/>
             </a:ext>
           </a:extLst>
         </p:spPr>
@@ -4094,7 +4094,7 @@
           </a:ln>
           <a:extLst>
             <a:ext uri="{C572A759-6A51-4108-AA02-DFA0A04FC94B}">
-              <ma14:wrappingTextBoxFlag xmlns="" xmlns:m="http://schemas.openxmlformats.org/officeDocument/2006/math" xmlns:a14="http://schemas.microsoft.com/office/drawing/2010/main" xmlns:ma14="http://schemas.microsoft.com/office/mac/drawingml/2011/main" val="1"/>
+              <ma14:wrappingTextBoxFlag xmlns:ma14="http://schemas.microsoft.com/office/mac/drawingml/2011/main" xmlns:a14="http://schemas.microsoft.com/office/drawing/2010/main" xmlns:m="http://schemas.openxmlformats.org/officeDocument/2006/math" xmlns="" val="1"/>
             </a:ext>
           </a:extLst>
         </p:spPr>
@@ -4282,8 +4282,8 @@
               </a:defRPr>
             </a:pPr>
             <a:r>
-              <a:rPr lang="en-US" b="1" dirty="0" err="1"/>
-              <a:t>Github</a:t>
+              <a:rPr lang="en-US" b="1" dirty="0"/>
+              <a:t>GitHub</a:t>
             </a:r>
             <a:r>
               <a:rPr lang="en-US" dirty="0"/>
@@ -4327,7 +4327,7 @@
           </a:ln>
           <a:extLst>
             <a:ext uri="{C572A759-6A51-4108-AA02-DFA0A04FC94B}">
-              <ma14:wrappingTextBoxFlag xmlns="" xmlns:m="http://schemas.openxmlformats.org/officeDocument/2006/math" xmlns:a14="http://schemas.microsoft.com/office/drawing/2010/main" xmlns:ma14="http://schemas.microsoft.com/office/mac/drawingml/2011/main" val="1"/>
+              <ma14:wrappingTextBoxFlag xmlns:ma14="http://schemas.microsoft.com/office/mac/drawingml/2011/main" xmlns:a14="http://schemas.microsoft.com/office/drawing/2010/main" xmlns:m="http://schemas.openxmlformats.org/officeDocument/2006/math" xmlns="" val="1"/>
             </a:ext>
           </a:extLst>
         </p:spPr>
@@ -4524,7 +4524,7 @@
           </a:ln>
           <a:extLst>
             <a:ext uri="{C572A759-6A51-4108-AA02-DFA0A04FC94B}">
-              <ma14:wrappingTextBoxFlag xmlns="" xmlns:m="http://schemas.openxmlformats.org/officeDocument/2006/math" xmlns:a14="http://schemas.microsoft.com/office/drawing/2010/main" xmlns:ma14="http://schemas.microsoft.com/office/mac/drawingml/2011/main" val="1"/>
+              <ma14:wrappingTextBoxFlag xmlns:ma14="http://schemas.microsoft.com/office/mac/drawingml/2011/main" xmlns:a14="http://schemas.microsoft.com/office/drawing/2010/main" xmlns:m="http://schemas.openxmlformats.org/officeDocument/2006/math" xmlns="" val="1"/>
             </a:ext>
           </a:extLst>
         </p:spPr>
@@ -4646,23 +4646,7 @@
                   <a:srgbClr val="000000"/>
                 </a:solidFill>
               </a:rPr>
-              <a:t>Register a free </a:t>
-            </a:r>
-            <a:r>
-              <a:rPr lang="en-US" b="0" dirty="0" err="1">
-                <a:solidFill>
-                  <a:srgbClr val="000000"/>
-                </a:solidFill>
-              </a:rPr>
-              <a:t>Github</a:t>
-            </a:r>
-            <a:r>
-              <a:rPr lang="en-US" b="0" dirty="0">
-                <a:solidFill>
-                  <a:srgbClr val="000000"/>
-                </a:solidFill>
-              </a:rPr>
-              <a:t> account</a:t>
+              <a:t>Register a free GitHub account</a:t>
             </a:r>
           </a:p>
           <a:p>
@@ -4756,7 +4740,7 @@
           </a:ln>
           <a:extLst>
             <a:ext uri="{C572A759-6A51-4108-AA02-DFA0A04FC94B}">
-              <ma14:wrappingTextBoxFlag xmlns="" xmlns:m="http://schemas.openxmlformats.org/officeDocument/2006/math" xmlns:a14="http://schemas.microsoft.com/office/drawing/2010/main" xmlns:ma14="http://schemas.microsoft.com/office/mac/drawingml/2011/main" val="1"/>
+              <ma14:wrappingTextBoxFlag xmlns:ma14="http://schemas.microsoft.com/office/mac/drawingml/2011/main" xmlns:a14="http://schemas.microsoft.com/office/drawing/2010/main" xmlns:m="http://schemas.openxmlformats.org/officeDocument/2006/math" xmlns="" val="1"/>
             </a:ext>
           </a:extLst>
         </p:spPr>
@@ -4943,7 +4927,7 @@
           </a:ln>
           <a:extLst>
             <a:ext uri="{C572A759-6A51-4108-AA02-DFA0A04FC94B}">
-              <ma14:wrappingTextBoxFlag xmlns="" xmlns:m="http://schemas.openxmlformats.org/officeDocument/2006/math" xmlns:a14="http://schemas.microsoft.com/office/drawing/2010/main" xmlns:ma14="http://schemas.microsoft.com/office/mac/drawingml/2011/main" val="1"/>
+              <ma14:wrappingTextBoxFlag xmlns:ma14="http://schemas.microsoft.com/office/mac/drawingml/2011/main" xmlns:a14="http://schemas.microsoft.com/office/drawing/2010/main" xmlns:m="http://schemas.openxmlformats.org/officeDocument/2006/math" xmlns="" val="1"/>
             </a:ext>
           </a:extLst>
         </p:spPr>
@@ -6138,7 +6122,7 @@
           </a:ln>
           <a:extLst>
             <a:ext uri="{C572A759-6A51-4108-AA02-DFA0A04FC94B}">
-              <ma14:wrappingTextBoxFlag xmlns="" xmlns:m="http://schemas.openxmlformats.org/officeDocument/2006/math" xmlns:a14="http://schemas.microsoft.com/office/drawing/2010/main" xmlns:ma14="http://schemas.microsoft.com/office/mac/drawingml/2011/main" val="1"/>
+              <ma14:wrappingTextBoxFlag xmlns:ma14="http://schemas.microsoft.com/office/mac/drawingml/2011/main" xmlns:a14="http://schemas.microsoft.com/office/drawing/2010/main" xmlns:m="http://schemas.openxmlformats.org/officeDocument/2006/math" xmlns="" val="1"/>
             </a:ext>
           </a:extLst>
         </p:spPr>
@@ -7515,7 +7499,7 @@
           </a:ln>
           <a:extLst>
             <a:ext uri="{C572A759-6A51-4108-AA02-DFA0A04FC94B}">
-              <ma14:wrappingTextBoxFlag xmlns="" xmlns:m="http://schemas.openxmlformats.org/officeDocument/2006/math" xmlns:a14="http://schemas.microsoft.com/office/drawing/2010/main" xmlns:ma14="http://schemas.microsoft.com/office/mac/drawingml/2011/main" val="1"/>
+              <ma14:wrappingTextBoxFlag xmlns:ma14="http://schemas.microsoft.com/office/mac/drawingml/2011/main" xmlns:a14="http://schemas.microsoft.com/office/drawing/2010/main" xmlns:m="http://schemas.openxmlformats.org/officeDocument/2006/math" xmlns="" val="1"/>
             </a:ext>
           </a:extLst>
         </p:spPr>
@@ -11068,7 +11052,7 @@
           </a:ln>
           <a:extLst>
             <a:ext uri="{C572A759-6A51-4108-AA02-DFA0A04FC94B}">
-              <ma14:wrappingTextBoxFlag xmlns="" xmlns:m="http://schemas.openxmlformats.org/officeDocument/2006/math" xmlns:a14="http://schemas.microsoft.com/office/drawing/2010/main" xmlns:ma14="http://schemas.microsoft.com/office/mac/drawingml/2011/main" val="1"/>
+              <ma14:wrappingTextBoxFlag xmlns:ma14="http://schemas.microsoft.com/office/mac/drawingml/2011/main" xmlns:a14="http://schemas.microsoft.com/office/drawing/2010/main" xmlns:m="http://schemas.openxmlformats.org/officeDocument/2006/math" xmlns="" val="1"/>
             </a:ext>
           </a:extLst>
         </p:spPr>
@@ -12408,8 +12392,8 @@
         </p:nvSpPr>
         <p:spPr>
           <a:xfrm>
-            <a:off x="319359" y="8943032"/>
-            <a:ext cx="3946608" cy="479538"/>
+            <a:off x="319359" y="8873783"/>
+            <a:ext cx="3946608" cy="618037"/>
           </a:xfrm>
           <a:prstGeom prst="rect">
             <a:avLst/>
@@ -12425,7 +12409,7 @@
           </a:ln>
           <a:extLst>
             <a:ext uri="{C572A759-6A51-4108-AA02-DFA0A04FC94B}">
-              <ma14:wrappingTextBoxFlag xmlns="" xmlns:m="http://schemas.openxmlformats.org/officeDocument/2006/math" xmlns:a14="http://schemas.microsoft.com/office/drawing/2010/main" xmlns:ma14="http://schemas.microsoft.com/office/mac/drawingml/2011/main" val="1"/>
+              <ma14:wrappingTextBoxFlag xmlns:ma14="http://schemas.microsoft.com/office/mac/drawingml/2011/main" xmlns:a14="http://schemas.microsoft.com/office/drawing/2010/main" xmlns:m="http://schemas.openxmlformats.org/officeDocument/2006/math" xmlns="" val="1"/>
             </a:ext>
           </a:extLst>
         </p:spPr>
@@ -12450,11 +12434,11 @@
               </a:defRPr>
             </a:pPr>
             <a:r>
-              <a:rPr lang="en-US" dirty="0"/>
+              <a:rPr lang="en-US" sz="1100" dirty="0"/>
               <a:t>git config --global user.name </a:t>
             </a:r>
             <a:r>
-              <a:rPr lang="en-US" dirty="0">
+              <a:rPr lang="en-US" sz="1100" dirty="0">
                 <a:solidFill>
                   <a:srgbClr val="72AF2F"/>
                 </a:solidFill>
@@ -12478,19 +12462,19 @@
               </a:defRPr>
             </a:pPr>
             <a:r>
-              <a:rPr lang="en-US" dirty="0"/>
+              <a:rPr lang="en-US" sz="1100" dirty="0"/>
               <a:t>git config --global </a:t>
             </a:r>
             <a:r>
-              <a:rPr lang="en-US" dirty="0" err="1"/>
+              <a:rPr lang="en-US" sz="1100" dirty="0" err="1"/>
               <a:t>user.email</a:t>
             </a:r>
             <a:r>
-              <a:rPr lang="en-US" dirty="0"/>
+              <a:rPr lang="en-US" sz="1100" dirty="0"/>
               <a:t> </a:t>
             </a:r>
             <a:r>
-              <a:rPr lang="en-US" b="0" dirty="0">
+              <a:rPr lang="en-US" sz="1100" b="0" dirty="0">
                 <a:solidFill>
                   <a:srgbClr val="72AF2F"/>
                 </a:solidFill>
@@ -12526,7 +12510,7 @@
           </a:ln>
           <a:extLst>
             <a:ext uri="{C572A759-6A51-4108-AA02-DFA0A04FC94B}">
-              <ma14:wrappingTextBoxFlag xmlns="" xmlns:m="http://schemas.openxmlformats.org/officeDocument/2006/math" xmlns:a14="http://schemas.microsoft.com/office/drawing/2010/main" xmlns:ma14="http://schemas.microsoft.com/office/mac/drawingml/2011/main" val="1"/>
+              <ma14:wrappingTextBoxFlag xmlns:ma14="http://schemas.microsoft.com/office/mac/drawingml/2011/main" xmlns:a14="http://schemas.microsoft.com/office/drawing/2010/main" xmlns:m="http://schemas.openxmlformats.org/officeDocument/2006/math" xmlns="" val="1"/>
             </a:ext>
           </a:extLst>
         </p:spPr>
@@ -12597,7 +12581,7 @@
           </a:ln>
           <a:extLst>
             <a:ext uri="{C572A759-6A51-4108-AA02-DFA0A04FC94B}">
-              <ma14:wrappingTextBoxFlag xmlns="" xmlns:m="http://schemas.openxmlformats.org/officeDocument/2006/math" xmlns:a14="http://schemas.microsoft.com/office/drawing/2010/main" xmlns:ma14="http://schemas.microsoft.com/office/mac/drawingml/2011/main" val="1"/>
+              <ma14:wrappingTextBoxFlag xmlns:ma14="http://schemas.microsoft.com/office/mac/drawingml/2011/main" xmlns:a14="http://schemas.microsoft.com/office/drawing/2010/main" xmlns:m="http://schemas.openxmlformats.org/officeDocument/2006/math" xmlns="" val="1"/>
             </a:ext>
           </a:extLst>
         </p:spPr>
@@ -12653,7 +12637,7 @@
           </a:ln>
           <a:extLst>
             <a:ext uri="{C572A759-6A51-4108-AA02-DFA0A04FC94B}">
-              <ma14:wrappingTextBoxFlag xmlns="" xmlns:m="http://schemas.openxmlformats.org/officeDocument/2006/math" xmlns:a14="http://schemas.microsoft.com/office/drawing/2010/main" xmlns:ma14="http://schemas.microsoft.com/office/mac/drawingml/2011/main" val="1"/>
+              <ma14:wrappingTextBoxFlag xmlns:ma14="http://schemas.microsoft.com/office/mac/drawingml/2011/main" xmlns:a14="http://schemas.microsoft.com/office/drawing/2010/main" xmlns:m="http://schemas.openxmlformats.org/officeDocument/2006/math" xmlns="" val="1"/>
             </a:ext>
           </a:extLst>
         </p:spPr>
@@ -12720,7 +12704,7 @@
           </a:ln>
           <a:extLst>
             <a:ext uri="{C572A759-6A51-4108-AA02-DFA0A04FC94B}">
-              <ma14:wrappingTextBoxFlag xmlns="" xmlns:m="http://schemas.openxmlformats.org/officeDocument/2006/math" xmlns:a14="http://schemas.microsoft.com/office/drawing/2010/main" xmlns:ma14="http://schemas.microsoft.com/office/mac/drawingml/2011/main" val="1"/>
+              <ma14:wrappingTextBoxFlag xmlns:ma14="http://schemas.microsoft.com/office/mac/drawingml/2011/main" xmlns:a14="http://schemas.microsoft.com/office/drawing/2010/main" xmlns:m="http://schemas.openxmlformats.org/officeDocument/2006/math" xmlns="" val="1"/>
             </a:ext>
           </a:extLst>
         </p:spPr>
@@ -12806,7 +12790,7 @@
           </a:ln>
           <a:extLst>
             <a:ext uri="{C572A759-6A51-4108-AA02-DFA0A04FC94B}">
-              <ma14:wrappingTextBoxFlag xmlns="" xmlns:m="http://schemas.openxmlformats.org/officeDocument/2006/math" xmlns:a14="http://schemas.microsoft.com/office/drawing/2010/main" xmlns:ma14="http://schemas.microsoft.com/office/mac/drawingml/2011/main" val="1"/>
+              <ma14:wrappingTextBoxFlag xmlns:ma14="http://schemas.microsoft.com/office/mac/drawingml/2011/main" xmlns:a14="http://schemas.microsoft.com/office/drawing/2010/main" xmlns:m="http://schemas.openxmlformats.org/officeDocument/2006/math" xmlns="" val="1"/>
             </a:ext>
           </a:extLst>
         </p:spPr>
@@ -12868,7 +12852,7 @@
           </a:ln>
           <a:extLst>
             <a:ext uri="{C572A759-6A51-4108-AA02-DFA0A04FC94B}">
-              <ma14:wrappingTextBoxFlag xmlns="" xmlns:m="http://schemas.openxmlformats.org/officeDocument/2006/math" xmlns:a14="http://schemas.microsoft.com/office/drawing/2010/main" xmlns:ma14="http://schemas.microsoft.com/office/mac/drawingml/2011/main" val="1"/>
+              <ma14:wrappingTextBoxFlag xmlns:ma14="http://schemas.microsoft.com/office/mac/drawingml/2011/main" xmlns:a14="http://schemas.microsoft.com/office/drawing/2010/main" xmlns:m="http://schemas.openxmlformats.org/officeDocument/2006/math" xmlns="" val="1"/>
             </a:ext>
           </a:extLst>
         </p:spPr>
@@ -12953,7 +12937,7 @@
           </a:ln>
           <a:extLst>
             <a:ext uri="{C572A759-6A51-4108-AA02-DFA0A04FC94B}">
-              <ma14:wrappingTextBoxFlag xmlns="" xmlns:m="http://schemas.openxmlformats.org/officeDocument/2006/math" xmlns:a14="http://schemas.microsoft.com/office/drawing/2010/main" xmlns:ma14="http://schemas.microsoft.com/office/mac/drawingml/2011/main" val="1"/>
+              <ma14:wrappingTextBoxFlag xmlns:ma14="http://schemas.microsoft.com/office/mac/drawingml/2011/main" xmlns:a14="http://schemas.microsoft.com/office/drawing/2010/main" xmlns:m="http://schemas.openxmlformats.org/officeDocument/2006/math" xmlns="" val="1"/>
             </a:ext>
           </a:extLst>
         </p:spPr>
@@ -13045,7 +13029,7 @@
           </a:ln>
           <a:extLst>
             <a:ext uri="{C572A759-6A51-4108-AA02-DFA0A04FC94B}">
-              <ma14:wrappingTextBoxFlag xmlns="" xmlns:m="http://schemas.openxmlformats.org/officeDocument/2006/math" xmlns:a14="http://schemas.microsoft.com/office/drawing/2010/main" xmlns:ma14="http://schemas.microsoft.com/office/mac/drawingml/2011/main" val="1"/>
+              <ma14:wrappingTextBoxFlag xmlns:ma14="http://schemas.microsoft.com/office/mac/drawingml/2011/main" xmlns:a14="http://schemas.microsoft.com/office/drawing/2010/main" xmlns:m="http://schemas.openxmlformats.org/officeDocument/2006/math" xmlns="" val="1"/>
             </a:ext>
           </a:extLst>
         </p:spPr>
@@ -13148,7 +13132,7 @@
           </a:ln>
           <a:extLst>
             <a:ext uri="{C572A759-6A51-4108-AA02-DFA0A04FC94B}">
-              <ma14:wrappingTextBoxFlag xmlns="" xmlns:m="http://schemas.openxmlformats.org/officeDocument/2006/math" xmlns:a14="http://schemas.microsoft.com/office/drawing/2010/main" xmlns:ma14="http://schemas.microsoft.com/office/mac/drawingml/2011/main" val="1"/>
+              <ma14:wrappingTextBoxFlag xmlns:ma14="http://schemas.microsoft.com/office/mac/drawingml/2011/main" xmlns:a14="http://schemas.microsoft.com/office/drawing/2010/main" xmlns:m="http://schemas.openxmlformats.org/officeDocument/2006/math" xmlns="" val="1"/>
             </a:ext>
           </a:extLst>
         </p:spPr>
@@ -13221,7 +13205,7 @@
           </a:ln>
           <a:extLst>
             <a:ext uri="{C572A759-6A51-4108-AA02-DFA0A04FC94B}">
-              <ma14:wrappingTextBoxFlag xmlns="" xmlns:m="http://schemas.openxmlformats.org/officeDocument/2006/math" xmlns:a14="http://schemas.microsoft.com/office/drawing/2010/main" xmlns:ma14="http://schemas.microsoft.com/office/mac/drawingml/2011/main" val="1"/>
+              <ma14:wrappingTextBoxFlag xmlns:ma14="http://schemas.microsoft.com/office/mac/drawingml/2011/main" xmlns:a14="http://schemas.microsoft.com/office/drawing/2010/main" xmlns:m="http://schemas.openxmlformats.org/officeDocument/2006/math" xmlns="" val="1"/>
             </a:ext>
           </a:extLst>
         </p:spPr>
